--- a/cd/test/simple/master.pptx
+++ b/cd/test/simple/master.pptx
@@ -106,7 +106,7 @@
   </p:defaultTextStyle>
   <p:extLst>
     <p:ext uri="{EFAFB233-063F-42B5-8137-9DF3F51BA10A}">
-      <p15:sldGuideLst xmlns:p15="http://schemas.microsoft.com/office/powerpoint/2012/main"/>
+      <p15:sldGuideLst xmlns:p15="http://schemas.microsoft.com/office/powerpoint/2012/main" xmlns=""/>
     </p:ext>
   </p:extLst>
 </p:presentation>
@@ -176,7 +176,7 @@
           <a:p>
             <a:fld id="{48A87A34-81AB-432B-8DAE-1953F412C126}" type="datetimeFigureOut">
               <a:rPr lang="en-US" smtClean="0"/>
-              <a:t>28-Sep-16</a:t>
+              <a:t>10/24/2016</a:t>
             </a:fld>
             <a:endParaRPr lang="en-US" dirty="0"/>
           </a:p>
@@ -430,7 +430,7 @@
             <a:fld id="{48A87A34-81AB-432B-8DAE-1953F412C126}" type="datetimeFigureOut">
               <a:rPr lang="en-US" smtClean="0"/>
               <a:pPr/>
-              <a:t>28-Sep-16</a:t>
+              <a:t>10/24/2016</a:t>
             </a:fld>
             <a:endParaRPr lang="en-US" dirty="0"/>
           </a:p>
@@ -533,7 +533,7 @@
         </p:blipFill>
         <p:spPr>
           <a:xfrm>
-            <a:off x="11801528" y="252630"/>
+            <a:off x="5686478" y="666968"/>
             <a:ext cx="6534925" cy="8080264"/>
           </a:xfrm>
           <a:prstGeom prst="rect">
@@ -1160,7 +1160,7 @@
   <a:extraClrSchemeLst/>
   <a:extLst>
     <a:ext uri="{05A4C25C-085E-4340-85A3-A5531E510DB2}">
-      <thm15:themeFamily xmlns:thm15="http://schemas.microsoft.com/office/thememl/2012/main" name="Droplet" id="{8984A317-299A-4E50-B45D-BFC9EDE2337A}" vid="{A633B6A3-9E7F-4C10-9C98-2517A3134361}"/>
+      <thm15:themeFamily xmlns:thm15="http://schemas.microsoft.com/office/thememl/2012/main" xmlns="" name="Droplet" id="{8984A317-299A-4E50-B45D-BFC9EDE2337A}" vid="{A633B6A3-9E7F-4C10-9C98-2517A3134361}"/>
     </a:ext>
   </a:extLst>
 </a:theme>
